--- a/forms.pptx
+++ b/forms.pptx
@@ -14,6 +14,7 @@
     <p:sldId id="262" r:id="rId8"/>
     <p:sldId id="263" r:id="rId9"/>
     <p:sldId id="264" r:id="rId10"/>
+    <p:sldId id="265" r:id="rId11"/>
   </p:sldIdLst>
   <p:sldSz cx="9144000" cy="6858000" type="screen4x3"/>
   <p:notesSz cx="6858000" cy="9144000"/>
@@ -297,7 +298,7 @@
             <a:fld id="{1D8BD707-D9CF-40AE-B4C6-C98DA3205C09}" type="datetimeFigureOut">
               <a:rPr lang="en-US" smtClean="0"/>
               <a:pPr/>
-              <a:t>3/25/2013</a:t>
+              <a:t>3/28/2013</a:t>
             </a:fld>
             <a:endParaRPr lang="en-US"/>
           </a:p>
@@ -464,7 +465,7 @@
             <a:fld id="{1D8BD707-D9CF-40AE-B4C6-C98DA3205C09}" type="datetimeFigureOut">
               <a:rPr lang="en-US" smtClean="0"/>
               <a:pPr/>
-              <a:t>3/25/2013</a:t>
+              <a:t>3/28/2013</a:t>
             </a:fld>
             <a:endParaRPr lang="en-US"/>
           </a:p>
@@ -641,7 +642,7 @@
             <a:fld id="{1D8BD707-D9CF-40AE-B4C6-C98DA3205C09}" type="datetimeFigureOut">
               <a:rPr lang="en-US" smtClean="0"/>
               <a:pPr/>
-              <a:t>3/25/2013</a:t>
+              <a:t>3/28/2013</a:t>
             </a:fld>
             <a:endParaRPr lang="en-US"/>
           </a:p>
@@ -808,7 +809,7 @@
             <a:fld id="{1D8BD707-D9CF-40AE-B4C6-C98DA3205C09}" type="datetimeFigureOut">
               <a:rPr lang="en-US" smtClean="0"/>
               <a:pPr/>
-              <a:t>3/25/2013</a:t>
+              <a:t>3/28/2013</a:t>
             </a:fld>
             <a:endParaRPr lang="en-US"/>
           </a:p>
@@ -1051,7 +1052,7 @@
             <a:fld id="{1D8BD707-D9CF-40AE-B4C6-C98DA3205C09}" type="datetimeFigureOut">
               <a:rPr lang="en-US" smtClean="0"/>
               <a:pPr/>
-              <a:t>3/25/2013</a:t>
+              <a:t>3/28/2013</a:t>
             </a:fld>
             <a:endParaRPr lang="en-US"/>
           </a:p>
@@ -1336,7 +1337,7 @@
             <a:fld id="{1D8BD707-D9CF-40AE-B4C6-C98DA3205C09}" type="datetimeFigureOut">
               <a:rPr lang="en-US" smtClean="0"/>
               <a:pPr/>
-              <a:t>3/25/2013</a:t>
+              <a:t>3/28/2013</a:t>
             </a:fld>
             <a:endParaRPr lang="en-US"/>
           </a:p>
@@ -1755,7 +1756,7 @@
             <a:fld id="{1D8BD707-D9CF-40AE-B4C6-C98DA3205C09}" type="datetimeFigureOut">
               <a:rPr lang="en-US" smtClean="0"/>
               <a:pPr/>
-              <a:t>3/25/2013</a:t>
+              <a:t>3/28/2013</a:t>
             </a:fld>
             <a:endParaRPr lang="en-US"/>
           </a:p>
@@ -1870,7 +1871,7 @@
             <a:fld id="{1D8BD707-D9CF-40AE-B4C6-C98DA3205C09}" type="datetimeFigureOut">
               <a:rPr lang="en-US" smtClean="0"/>
               <a:pPr/>
-              <a:t>3/25/2013</a:t>
+              <a:t>3/28/2013</a:t>
             </a:fld>
             <a:endParaRPr lang="en-US"/>
           </a:p>
@@ -1962,7 +1963,7 @@
             <a:fld id="{1D8BD707-D9CF-40AE-B4C6-C98DA3205C09}" type="datetimeFigureOut">
               <a:rPr lang="en-US" smtClean="0"/>
               <a:pPr/>
-              <a:t>3/25/2013</a:t>
+              <a:t>3/28/2013</a:t>
             </a:fld>
             <a:endParaRPr lang="en-US"/>
           </a:p>
@@ -2236,7 +2237,7 @@
             <a:fld id="{1D8BD707-D9CF-40AE-B4C6-C98DA3205C09}" type="datetimeFigureOut">
               <a:rPr lang="en-US" smtClean="0"/>
               <a:pPr/>
-              <a:t>3/25/2013</a:t>
+              <a:t>3/28/2013</a:t>
             </a:fld>
             <a:endParaRPr lang="en-US"/>
           </a:p>
@@ -2486,7 +2487,7 @@
             <a:fld id="{1D8BD707-D9CF-40AE-B4C6-C98DA3205C09}" type="datetimeFigureOut">
               <a:rPr lang="en-US" smtClean="0"/>
               <a:pPr/>
-              <a:t>3/25/2013</a:t>
+              <a:t>3/28/2013</a:t>
             </a:fld>
             <a:endParaRPr lang="en-US"/>
           </a:p>
@@ -2701,7 +2702,7 @@
             <a:fld id="{1D8BD707-D9CF-40AE-B4C6-C98DA3205C09}" type="datetimeFigureOut">
               <a:rPr lang="en-US" smtClean="0"/>
               <a:pPr/>
-              <a:t>3/25/2013</a:t>
+              <a:t>3/28/2013</a:t>
             </a:fld>
             <a:endParaRPr lang="en-US"/>
           </a:p>
@@ -3148,6 +3149,392 @@
 </p:sld>
 </file>
 
+<file path=ppt/slides/slide10.xml><?xml version="1.0" encoding="utf-8"?>
+<p:sld xmlns:a="http://schemas.openxmlformats.org/drawingml/2006/main" xmlns:r="http://schemas.openxmlformats.org/officeDocument/2006/relationships" xmlns:p="http://schemas.openxmlformats.org/presentationml/2006/main">
+  <p:cSld>
+    <p:spTree>
+      <p:nvGrpSpPr>
+        <p:cNvPr id="1" name=""/>
+        <p:cNvGrpSpPr/>
+        <p:nvPr/>
+      </p:nvGrpSpPr>
+      <p:grpSpPr>
+        <a:xfrm>
+          <a:off x="0" y="0"/>
+          <a:ext cx="0" cy="0"/>
+          <a:chOff x="0" y="0"/>
+          <a:chExt cx="0" cy="0"/>
+        </a:xfrm>
+      </p:grpSpPr>
+      <p:sp>
+        <p:nvSpPr>
+          <p:cNvPr id="2" name="Title 1"/>
+          <p:cNvSpPr>
+            <a:spLocks noGrp="1"/>
+          </p:cNvSpPr>
+          <p:nvPr>
+            <p:ph type="title"/>
+          </p:nvPr>
+        </p:nvSpPr>
+        <p:spPr/>
+        <p:txBody>
+          <a:bodyPr>
+            <a:normAutofit/>
+          </a:bodyPr>
+          <a:lstStyle/>
+          <a:p>
+            <a:r>
+              <a:rPr lang="ru-RU" sz="3400" dirty="0" smtClean="0">
+                <a:solidFill>
+                  <a:schemeClr val="bg1"/>
+                </a:solidFill>
+                <a:effectLst>
+                  <a:outerShdw blurRad="38100" dist="38100" dir="2700000" algn="tl">
+                    <a:srgbClr val="000000">
+                      <a:alpha val="43137"/>
+                    </a:srgbClr>
+                  </a:outerShdw>
+                </a:effectLst>
+                <a:latin typeface="Corbel" pitchFamily="34" charset="0"/>
+              </a:rPr>
+              <a:t>Инструменты разработки</a:t>
+            </a:r>
+            <a:endParaRPr lang="ru-RU" sz="3400" dirty="0">
+              <a:solidFill>
+                <a:schemeClr val="bg1"/>
+              </a:solidFill>
+              <a:effectLst>
+                <a:outerShdw blurRad="38100" dist="38100" dir="2700000" algn="tl">
+                  <a:srgbClr val="000000">
+                    <a:alpha val="43137"/>
+                  </a:srgbClr>
+                </a:outerShdw>
+              </a:effectLst>
+              <a:latin typeface="Corbel" pitchFamily="34" charset="0"/>
+            </a:endParaRPr>
+          </a:p>
+        </p:txBody>
+      </p:sp>
+      <p:sp>
+        <p:nvSpPr>
+          <p:cNvPr id="3" name="Content Placeholder 2"/>
+          <p:cNvSpPr>
+            <a:spLocks noGrp="1"/>
+          </p:cNvSpPr>
+          <p:nvPr>
+            <p:ph idx="1"/>
+          </p:nvPr>
+        </p:nvSpPr>
+        <p:spPr>
+          <a:xfrm>
+            <a:off x="457200" y="1600200"/>
+            <a:ext cx="8229600" cy="2209800"/>
+          </a:xfrm>
+        </p:spPr>
+        <p:txBody>
+          <a:bodyPr>
+            <a:normAutofit/>
+          </a:bodyPr>
+          <a:lstStyle/>
+          <a:p>
+            <a:r>
+              <a:rPr lang="ru-RU" sz="2800" dirty="0" smtClean="0">
+                <a:solidFill>
+                  <a:schemeClr val="bg1"/>
+                </a:solidFill>
+                <a:effectLst>
+                  <a:outerShdw blurRad="38100" dist="38100" dir="2700000" algn="tl">
+                    <a:srgbClr val="000000">
+                      <a:alpha val="43137"/>
+                    </a:srgbClr>
+                  </a:outerShdw>
+                </a:effectLst>
+                <a:latin typeface="Corbel" pitchFamily="34" charset="0"/>
+              </a:rPr>
+              <a:t>Использование в тестах </a:t>
+            </a:r>
+            <a:r>
+              <a:rPr lang="en-US" sz="2800" dirty="0" err="1" smtClean="0">
+                <a:solidFill>
+                  <a:schemeClr val="bg1"/>
+                </a:solidFill>
+                <a:effectLst>
+                  <a:outerShdw blurRad="38100" dist="38100" dir="2700000" algn="tl">
+                    <a:srgbClr val="000000">
+                      <a:alpha val="43137"/>
+                    </a:srgbClr>
+                  </a:outerShdw>
+                </a:effectLst>
+                <a:latin typeface="Corbel" pitchFamily="34" charset="0"/>
+              </a:rPr>
+              <a:t>DBUnit</a:t>
+            </a:r>
+            <a:r>
+              <a:rPr lang="en-US" sz="2800" dirty="0" smtClean="0">
+                <a:solidFill>
+                  <a:schemeClr val="bg1"/>
+                </a:solidFill>
+                <a:effectLst>
+                  <a:outerShdw blurRad="38100" dist="38100" dir="2700000" algn="tl">
+                    <a:srgbClr val="000000">
+                      <a:alpha val="43137"/>
+                    </a:srgbClr>
+                  </a:outerShdw>
+                </a:effectLst>
+                <a:latin typeface="Corbel" pitchFamily="34" charset="0"/>
+              </a:rPr>
+              <a:t> </a:t>
+            </a:r>
+            <a:r>
+              <a:rPr lang="ru-RU" sz="2800" dirty="0" smtClean="0">
+                <a:solidFill>
+                  <a:schemeClr val="bg1"/>
+                </a:solidFill>
+                <a:effectLst>
+                  <a:outerShdw blurRad="38100" dist="38100" dir="2700000" algn="tl">
+                    <a:srgbClr val="000000">
+                      <a:alpha val="43137"/>
+                    </a:srgbClr>
+                  </a:outerShdw>
+                </a:effectLst>
+                <a:latin typeface="Corbel" pitchFamily="34" charset="0"/>
+              </a:rPr>
+              <a:t>и </a:t>
+            </a:r>
+            <a:r>
+              <a:rPr lang="en-US" sz="2800" dirty="0" err="1" smtClean="0">
+                <a:solidFill>
+                  <a:schemeClr val="bg1"/>
+                </a:solidFill>
+                <a:effectLst>
+                  <a:outerShdw blurRad="38100" dist="38100" dir="2700000" algn="tl">
+                    <a:srgbClr val="000000">
+                      <a:alpha val="43137"/>
+                    </a:srgbClr>
+                  </a:outerShdw>
+                </a:effectLst>
+                <a:latin typeface="Corbel" pitchFamily="34" charset="0"/>
+              </a:rPr>
+              <a:t>dbMaintainer</a:t>
+            </a:r>
+            <a:r>
+              <a:rPr lang="en-US" sz="2800" dirty="0" smtClean="0">
+                <a:solidFill>
+                  <a:schemeClr val="bg1"/>
+                </a:solidFill>
+                <a:effectLst>
+                  <a:outerShdw blurRad="38100" dist="38100" dir="2700000" algn="tl">
+                    <a:srgbClr val="000000">
+                      <a:alpha val="43137"/>
+                    </a:srgbClr>
+                  </a:outerShdw>
+                </a:effectLst>
+                <a:latin typeface="Corbel" pitchFamily="34" charset="0"/>
+              </a:rPr>
+              <a:t> </a:t>
+            </a:r>
+            <a:r>
+              <a:rPr lang="ru-RU" sz="2800" dirty="0" smtClean="0">
+                <a:solidFill>
+                  <a:schemeClr val="bg1"/>
+                </a:solidFill>
+                <a:effectLst>
+                  <a:outerShdw blurRad="38100" dist="38100" dir="2700000" algn="tl">
+                    <a:srgbClr val="000000">
+                      <a:alpha val="43137"/>
+                    </a:srgbClr>
+                  </a:outerShdw>
+                </a:effectLst>
+                <a:latin typeface="Corbel" pitchFamily="34" charset="0"/>
+              </a:rPr>
+              <a:t>в связке с </a:t>
+            </a:r>
+            <a:r>
+              <a:rPr lang="en-US" sz="2800" dirty="0" err="1" smtClean="0">
+                <a:solidFill>
+                  <a:schemeClr val="bg1"/>
+                </a:solidFill>
+                <a:effectLst>
+                  <a:outerShdw blurRad="38100" dist="38100" dir="2700000" algn="tl">
+                    <a:srgbClr val="000000">
+                      <a:alpha val="43137"/>
+                    </a:srgbClr>
+                  </a:outerShdw>
+                </a:effectLst>
+                <a:latin typeface="Corbel" pitchFamily="34" charset="0"/>
+              </a:rPr>
+              <a:t>JUnit</a:t>
+            </a:r>
+            <a:r>
+              <a:rPr lang="en-US" sz="2800" dirty="0" smtClean="0">
+                <a:solidFill>
+                  <a:schemeClr val="bg1"/>
+                </a:solidFill>
+                <a:effectLst>
+                  <a:outerShdw blurRad="38100" dist="38100" dir="2700000" algn="tl">
+                    <a:srgbClr val="000000">
+                      <a:alpha val="43137"/>
+                    </a:srgbClr>
+                  </a:outerShdw>
+                </a:effectLst>
+                <a:latin typeface="Corbel" pitchFamily="34" charset="0"/>
+              </a:rPr>
+              <a:t> </a:t>
+            </a:r>
+            <a:r>
+              <a:rPr lang="ru-RU" sz="2800" dirty="0" smtClean="0">
+                <a:solidFill>
+                  <a:schemeClr val="bg1"/>
+                </a:solidFill>
+                <a:effectLst>
+                  <a:outerShdw blurRad="38100" dist="38100" dir="2700000" algn="tl">
+                    <a:srgbClr val="000000">
+                      <a:alpha val="43137"/>
+                    </a:srgbClr>
+                  </a:outerShdw>
+                </a:effectLst>
+                <a:latin typeface="Corbel" pitchFamily="34" charset="0"/>
+              </a:rPr>
+              <a:t>и </a:t>
+            </a:r>
+            <a:r>
+              <a:rPr lang="en-US" sz="2800" dirty="0" smtClean="0">
+                <a:solidFill>
+                  <a:schemeClr val="bg1"/>
+                </a:solidFill>
+                <a:effectLst>
+                  <a:outerShdw blurRad="38100" dist="38100" dir="2700000" algn="tl">
+                    <a:srgbClr val="000000">
+                      <a:alpha val="43137"/>
+                    </a:srgbClr>
+                  </a:outerShdw>
+                </a:effectLst>
+                <a:latin typeface="Corbel" pitchFamily="34" charset="0"/>
+              </a:rPr>
+              <a:t>Spring</a:t>
+            </a:r>
+          </a:p>
+          <a:p>
+            <a:r>
+              <a:rPr lang="ru-RU" sz="2800" dirty="0" smtClean="0">
+                <a:solidFill>
+                  <a:schemeClr val="bg1"/>
+                </a:solidFill>
+                <a:effectLst>
+                  <a:outerShdw blurRad="38100" dist="38100" dir="2700000" algn="tl">
+                    <a:srgbClr val="000000">
+                      <a:alpha val="43137"/>
+                    </a:srgbClr>
+                  </a:outerShdw>
+                </a:effectLst>
+                <a:latin typeface="Corbel" pitchFamily="34" charset="0"/>
+              </a:rPr>
+              <a:t>Создание </a:t>
+            </a:r>
+            <a:r>
+              <a:rPr lang="ru-RU" sz="2800" dirty="0" err="1" smtClean="0">
+                <a:solidFill>
+                  <a:schemeClr val="bg1"/>
+                </a:solidFill>
+                <a:effectLst>
+                  <a:outerShdw blurRad="38100" dist="38100" dir="2700000" algn="tl">
+                    <a:srgbClr val="000000">
+                      <a:alpha val="43137"/>
+                    </a:srgbClr>
+                  </a:outerShdw>
+                </a:effectLst>
+                <a:latin typeface="Corbel" pitchFamily="34" charset="0"/>
+              </a:rPr>
+              <a:t>веб-тестов</a:t>
+            </a:r>
+            <a:r>
+              <a:rPr lang="ru-RU" sz="2800" dirty="0" smtClean="0">
+                <a:solidFill>
+                  <a:schemeClr val="bg1"/>
+                </a:solidFill>
+                <a:effectLst>
+                  <a:outerShdw blurRad="38100" dist="38100" dir="2700000" algn="tl">
+                    <a:srgbClr val="000000">
+                      <a:alpha val="43137"/>
+                    </a:srgbClr>
+                  </a:outerShdw>
+                </a:effectLst>
+                <a:latin typeface="Corbel" pitchFamily="34" charset="0"/>
+              </a:rPr>
+              <a:t> для</a:t>
+            </a:r>
+            <a:r>
+              <a:rPr lang="en-US" sz="2800" dirty="0" smtClean="0">
+                <a:solidFill>
+                  <a:schemeClr val="bg1"/>
+                </a:solidFill>
+                <a:effectLst>
+                  <a:outerShdw blurRad="38100" dist="38100" dir="2700000" algn="tl">
+                    <a:srgbClr val="000000">
+                      <a:alpha val="43137"/>
+                    </a:srgbClr>
+                  </a:outerShdw>
+                </a:effectLst>
+                <a:latin typeface="Corbel" pitchFamily="34" charset="0"/>
+              </a:rPr>
+              <a:t> </a:t>
+            </a:r>
+            <a:r>
+              <a:rPr lang="ru-RU" sz="2800" dirty="0" smtClean="0">
+                <a:solidFill>
+                  <a:schemeClr val="bg1"/>
+                </a:solidFill>
+                <a:effectLst>
+                  <a:outerShdw blurRad="38100" dist="38100" dir="2700000" algn="tl">
+                    <a:srgbClr val="000000">
+                      <a:alpha val="43137"/>
+                    </a:srgbClr>
+                  </a:outerShdw>
+                </a:effectLst>
+                <a:latin typeface="Corbel" pitchFamily="34" charset="0"/>
+              </a:rPr>
+              <a:t>при помощи </a:t>
+            </a:r>
+            <a:r>
+              <a:rPr lang="en-US" sz="2800" dirty="0" smtClean="0">
+                <a:solidFill>
+                  <a:schemeClr val="bg1"/>
+                </a:solidFill>
+                <a:effectLst>
+                  <a:outerShdw blurRad="38100" dist="38100" dir="2700000" algn="tl">
+                    <a:srgbClr val="000000">
+                      <a:alpha val="43137"/>
+                    </a:srgbClr>
+                  </a:outerShdw>
+                </a:effectLst>
+                <a:latin typeface="Corbel" pitchFamily="34" charset="0"/>
+              </a:rPr>
+              <a:t>Selenium Web Driver </a:t>
+            </a:r>
+            <a:endParaRPr lang="ru-RU" sz="2800" dirty="0" smtClean="0">
+              <a:solidFill>
+                <a:schemeClr val="bg1"/>
+              </a:solidFill>
+              <a:effectLst>
+                <a:outerShdw blurRad="38100" dist="38100" dir="2700000" algn="tl">
+                  <a:srgbClr val="000000">
+                    <a:alpha val="43137"/>
+                  </a:srgbClr>
+                </a:outerShdw>
+              </a:effectLst>
+              <a:latin typeface="Corbel" pitchFamily="34" charset="0"/>
+            </a:endParaRPr>
+          </a:p>
+        </p:txBody>
+      </p:sp>
+    </p:spTree>
+  </p:cSld>
+  <p:clrMapOvr>
+    <a:masterClrMapping/>
+  </p:clrMapOvr>
+</p:sld>
+</file>
+
 <file path=ppt/slides/slide2.xml><?xml version="1.0" encoding="utf-8"?>
 <p:sld xmlns:a="http://schemas.openxmlformats.org/drawingml/2006/main" xmlns:r="http://schemas.openxmlformats.org/officeDocument/2006/relationships" xmlns:p="http://schemas.openxmlformats.org/presentationml/2006/main">
   <p:cSld>
@@ -5764,7 +6151,7 @@
                 </a:effectLst>
                 <a:latin typeface="Corbel" pitchFamily="34" charset="0"/>
               </a:rPr>
-              <a:t>Внедрение дополнительных инструментов</a:t>
+              <a:t>Инструменты тестирования</a:t>
             </a:r>
             <a:endParaRPr lang="ru-RU" sz="3400" dirty="0">
               <a:solidFill>
@@ -6012,23 +6399,7 @@
                 </a:effectLst>
                 <a:latin typeface="Corbel" pitchFamily="34" charset="0"/>
               </a:rPr>
-              <a:t>веб-</a:t>
-            </a:r>
-            <a:r>
-              <a:rPr lang="ru-RU" sz="2800" dirty="0" err="1" smtClean="0">
-                <a:solidFill>
-                  <a:schemeClr val="bg1"/>
-                </a:solidFill>
-                <a:effectLst>
-                  <a:outerShdw blurRad="38100" dist="38100" dir="2700000" algn="tl">
-                    <a:srgbClr val="000000">
-                      <a:alpha val="43137"/>
-                    </a:srgbClr>
-                  </a:outerShdw>
-                </a:effectLst>
-                <a:latin typeface="Corbel" pitchFamily="34" charset="0"/>
-              </a:rPr>
-              <a:t>тестов</a:t>
+              <a:t>веб-тестов</a:t>
             </a:r>
             <a:r>
               <a:rPr lang="ru-RU" sz="2800" dirty="0" smtClean="0">
@@ -6076,23 +6447,7 @@
                 </a:effectLst>
                 <a:latin typeface="Corbel" pitchFamily="34" charset="0"/>
               </a:rPr>
-              <a:t>при </a:t>
-            </a:r>
-            <a:r>
-              <a:rPr lang="ru-RU" sz="2800" dirty="0" smtClean="0">
-                <a:solidFill>
-                  <a:schemeClr val="bg1"/>
-                </a:solidFill>
-                <a:effectLst>
-                  <a:outerShdw blurRad="38100" dist="38100" dir="2700000" algn="tl">
-                    <a:srgbClr val="000000">
-                      <a:alpha val="43137"/>
-                    </a:srgbClr>
-                  </a:outerShdw>
-                </a:effectLst>
-                <a:latin typeface="Corbel" pitchFamily="34" charset="0"/>
-              </a:rPr>
-              <a:t>помощи </a:t>
+              <a:t>при помощи </a:t>
             </a:r>
             <a:r>
               <a:rPr lang="en-US" sz="2800" dirty="0" smtClean="0">

--- a/forms.pptx
+++ b/forms.pptx
@@ -15,6 +15,7 @@
     <p:sldId id="263" r:id="rId9"/>
     <p:sldId id="264" r:id="rId10"/>
     <p:sldId id="265" r:id="rId11"/>
+    <p:sldId id="266" r:id="rId12"/>
   </p:sldIdLst>
   <p:sldSz cx="9144000" cy="6858000" type="screen4x3"/>
   <p:notesSz cx="6858000" cy="9144000"/>
@@ -298,7 +299,7 @@
             <a:fld id="{1D8BD707-D9CF-40AE-B4C6-C98DA3205C09}" type="datetimeFigureOut">
               <a:rPr lang="en-US" smtClean="0"/>
               <a:pPr/>
-              <a:t>3/28/2013</a:t>
+              <a:t>3/29/2013</a:t>
             </a:fld>
             <a:endParaRPr lang="en-US"/>
           </a:p>
@@ -465,7 +466,7 @@
             <a:fld id="{1D8BD707-D9CF-40AE-B4C6-C98DA3205C09}" type="datetimeFigureOut">
               <a:rPr lang="en-US" smtClean="0"/>
               <a:pPr/>
-              <a:t>3/28/2013</a:t>
+              <a:t>3/29/2013</a:t>
             </a:fld>
             <a:endParaRPr lang="en-US"/>
           </a:p>
@@ -642,7 +643,7 @@
             <a:fld id="{1D8BD707-D9CF-40AE-B4C6-C98DA3205C09}" type="datetimeFigureOut">
               <a:rPr lang="en-US" smtClean="0"/>
               <a:pPr/>
-              <a:t>3/28/2013</a:t>
+              <a:t>3/29/2013</a:t>
             </a:fld>
             <a:endParaRPr lang="en-US"/>
           </a:p>
@@ -809,7 +810,7 @@
             <a:fld id="{1D8BD707-D9CF-40AE-B4C6-C98DA3205C09}" type="datetimeFigureOut">
               <a:rPr lang="en-US" smtClean="0"/>
               <a:pPr/>
-              <a:t>3/28/2013</a:t>
+              <a:t>3/29/2013</a:t>
             </a:fld>
             <a:endParaRPr lang="en-US"/>
           </a:p>
@@ -1052,7 +1053,7 @@
             <a:fld id="{1D8BD707-D9CF-40AE-B4C6-C98DA3205C09}" type="datetimeFigureOut">
               <a:rPr lang="en-US" smtClean="0"/>
               <a:pPr/>
-              <a:t>3/28/2013</a:t>
+              <a:t>3/29/2013</a:t>
             </a:fld>
             <a:endParaRPr lang="en-US"/>
           </a:p>
@@ -1337,7 +1338,7 @@
             <a:fld id="{1D8BD707-D9CF-40AE-B4C6-C98DA3205C09}" type="datetimeFigureOut">
               <a:rPr lang="en-US" smtClean="0"/>
               <a:pPr/>
-              <a:t>3/28/2013</a:t>
+              <a:t>3/29/2013</a:t>
             </a:fld>
             <a:endParaRPr lang="en-US"/>
           </a:p>
@@ -1756,7 +1757,7 @@
             <a:fld id="{1D8BD707-D9CF-40AE-B4C6-C98DA3205C09}" type="datetimeFigureOut">
               <a:rPr lang="en-US" smtClean="0"/>
               <a:pPr/>
-              <a:t>3/28/2013</a:t>
+              <a:t>3/29/2013</a:t>
             </a:fld>
             <a:endParaRPr lang="en-US"/>
           </a:p>
@@ -1871,7 +1872,7 @@
             <a:fld id="{1D8BD707-D9CF-40AE-B4C6-C98DA3205C09}" type="datetimeFigureOut">
               <a:rPr lang="en-US" smtClean="0"/>
               <a:pPr/>
-              <a:t>3/28/2013</a:t>
+              <a:t>3/29/2013</a:t>
             </a:fld>
             <a:endParaRPr lang="en-US"/>
           </a:p>
@@ -1963,7 +1964,7 @@
             <a:fld id="{1D8BD707-D9CF-40AE-B4C6-C98DA3205C09}" type="datetimeFigureOut">
               <a:rPr lang="en-US" smtClean="0"/>
               <a:pPr/>
-              <a:t>3/28/2013</a:t>
+              <a:t>3/29/2013</a:t>
             </a:fld>
             <a:endParaRPr lang="en-US"/>
           </a:p>
@@ -2237,7 +2238,7 @@
             <a:fld id="{1D8BD707-D9CF-40AE-B4C6-C98DA3205C09}" type="datetimeFigureOut">
               <a:rPr lang="en-US" smtClean="0"/>
               <a:pPr/>
-              <a:t>3/28/2013</a:t>
+              <a:t>3/29/2013</a:t>
             </a:fld>
             <a:endParaRPr lang="en-US"/>
           </a:p>
@@ -2487,7 +2488,7 @@
             <a:fld id="{1D8BD707-D9CF-40AE-B4C6-C98DA3205C09}" type="datetimeFigureOut">
               <a:rPr lang="en-US" smtClean="0"/>
               <a:pPr/>
-              <a:t>3/28/2013</a:t>
+              <a:t>3/29/2013</a:t>
             </a:fld>
             <a:endParaRPr lang="en-US"/>
           </a:p>
@@ -2702,7 +2703,7 @@
             <a:fld id="{1D8BD707-D9CF-40AE-B4C6-C98DA3205C09}" type="datetimeFigureOut">
               <a:rPr lang="en-US" smtClean="0"/>
               <a:pPr/>
-              <a:t>3/28/2013</a:t>
+              <a:t>3/29/2013</a:t>
             </a:fld>
             <a:endParaRPr lang="en-US"/>
           </a:p>
@@ -3197,7 +3198,7 @@
                 </a:effectLst>
                 <a:latin typeface="Corbel" pitchFamily="34" charset="0"/>
               </a:rPr>
-              <a:t>Инструменты разработки</a:t>
+              <a:t>Техники разработки</a:t>
             </a:r>
             <a:endParaRPr lang="ru-RU" sz="3400" dirty="0">
               <a:solidFill>
@@ -3228,7 +3229,7 @@
         <p:spPr>
           <a:xfrm>
             <a:off x="457200" y="1600200"/>
-            <a:ext cx="8229600" cy="2209800"/>
+            <a:ext cx="8229600" cy="1066800"/>
           </a:xfrm>
         </p:spPr>
         <p:txBody>
@@ -3251,8 +3252,373 @@
                 </a:effectLst>
                 <a:latin typeface="Corbel" pitchFamily="34" charset="0"/>
               </a:rPr>
-              <a:t>Использование в тестах </a:t>
-            </a:r>
+              <a:t>Непрерывная интеграция</a:t>
+            </a:r>
+          </a:p>
+          <a:p>
+            <a:r>
+              <a:rPr lang="en-US" sz="2800" dirty="0" smtClean="0">
+                <a:solidFill>
+                  <a:schemeClr val="bg1"/>
+                </a:solidFill>
+                <a:effectLst>
+                  <a:outerShdw blurRad="38100" dist="38100" dir="2700000" algn="tl">
+                    <a:srgbClr val="000000">
+                      <a:alpha val="43137"/>
+                    </a:srgbClr>
+                  </a:outerShdw>
+                </a:effectLst>
+                <a:latin typeface="Corbel" pitchFamily="34" charset="0"/>
+              </a:rPr>
+              <a:t>TDD</a:t>
+            </a:r>
+            <a:r>
+              <a:rPr lang="ru-RU" sz="2800" dirty="0" smtClean="0">
+                <a:solidFill>
+                  <a:schemeClr val="bg1"/>
+                </a:solidFill>
+                <a:effectLst>
+                  <a:outerShdw blurRad="38100" dist="38100" dir="2700000" algn="tl">
+                    <a:srgbClr val="000000">
+                      <a:alpha val="43137"/>
+                    </a:srgbClr>
+                  </a:outerShdw>
+                </a:effectLst>
+                <a:latin typeface="Corbel" pitchFamily="34" charset="0"/>
+              </a:rPr>
+              <a:t> (разработка через тестирование)</a:t>
+            </a:r>
+            <a:endParaRPr lang="en-US" sz="2800" dirty="0" smtClean="0">
+              <a:solidFill>
+                <a:schemeClr val="bg1"/>
+              </a:solidFill>
+              <a:effectLst>
+                <a:outerShdw blurRad="38100" dist="38100" dir="2700000" algn="tl">
+                  <a:srgbClr val="000000">
+                    <a:alpha val="43137"/>
+                  </a:srgbClr>
+                </a:outerShdw>
+              </a:effectLst>
+              <a:latin typeface="Corbel" pitchFamily="34" charset="0"/>
+            </a:endParaRPr>
+          </a:p>
+        </p:txBody>
+      </p:sp>
+      <p:sp>
+        <p:nvSpPr>
+          <p:cNvPr id="4" name="Title 1"/>
+          <p:cNvSpPr txBox="1">
+            <a:spLocks/>
+          </p:cNvSpPr>
+          <p:nvPr/>
+        </p:nvSpPr>
+        <p:spPr>
+          <a:xfrm>
+            <a:off x="609600" y="2971800"/>
+            <a:ext cx="8229600" cy="1143000"/>
+          </a:xfrm>
+          <a:prstGeom prst="rect">
+            <a:avLst/>
+          </a:prstGeom>
+        </p:spPr>
+        <p:txBody>
+          <a:bodyPr vert="horz" lIns="91440" tIns="45720" rIns="91440" bIns="45720" rtlCol="0" anchor="ctr">
+            <a:normAutofit/>
+          </a:bodyPr>
+          <a:lstStyle/>
+          <a:p>
+            <a:pPr marL="0" marR="0" lvl="0" indent="0" algn="ctr" defTabSz="914400" rtl="0" eaLnBrk="1" fontAlgn="auto" latinLnBrk="0" hangingPunct="1">
+              <a:lnSpc>
+                <a:spcPct val="100000"/>
+              </a:lnSpc>
+              <a:spcBef>
+                <a:spcPct val="0"/>
+              </a:spcBef>
+              <a:spcAft>
+                <a:spcPts val="0"/>
+              </a:spcAft>
+              <a:buClrTx/>
+              <a:buSzTx/>
+              <a:buFontTx/>
+              <a:buNone/>
+              <a:tabLst/>
+              <a:defRPr/>
+            </a:pPr>
+            <a:r>
+              <a:rPr kumimoji="0" lang="ru-RU" sz="3400" b="0" i="0" u="none" strike="noStrike" kern="1200" cap="none" spc="0" normalizeH="0" baseline="0" noProof="0" dirty="0" smtClean="0">
+                <a:ln>
+                  <a:noFill/>
+                </a:ln>
+                <a:solidFill>
+                  <a:schemeClr val="bg1"/>
+                </a:solidFill>
+                <a:effectLst>
+                  <a:outerShdw blurRad="38100" dist="38100" dir="2700000" algn="tl">
+                    <a:srgbClr val="000000">
+                      <a:alpha val="43137"/>
+                    </a:srgbClr>
+                  </a:outerShdw>
+                </a:effectLst>
+                <a:uLnTx/>
+                <a:uFillTx/>
+                <a:latin typeface="Corbel" pitchFamily="34" charset="0"/>
+                <a:ea typeface="+mj-ea"/>
+                <a:cs typeface="+mj-cs"/>
+              </a:rPr>
+              <a:t>Инструменты</a:t>
+            </a:r>
+            <a:r>
+              <a:rPr kumimoji="0" lang="en-US" sz="3400" b="0" i="0" u="none" strike="noStrike" kern="1200" cap="none" spc="0" normalizeH="0" baseline="0" noProof="0" dirty="0" smtClean="0">
+                <a:ln>
+                  <a:noFill/>
+                </a:ln>
+                <a:solidFill>
+                  <a:schemeClr val="bg1"/>
+                </a:solidFill>
+                <a:effectLst>
+                  <a:outerShdw blurRad="38100" dist="38100" dir="2700000" algn="tl">
+                    <a:srgbClr val="000000">
+                      <a:alpha val="43137"/>
+                    </a:srgbClr>
+                  </a:outerShdw>
+                </a:effectLst>
+                <a:uLnTx/>
+                <a:uFillTx/>
+                <a:latin typeface="Corbel" pitchFamily="34" charset="0"/>
+                <a:ea typeface="+mj-ea"/>
+                <a:cs typeface="+mj-cs"/>
+              </a:rPr>
+              <a:t> </a:t>
+            </a:r>
+            <a:r>
+              <a:rPr kumimoji="0" lang="ru-RU" sz="3400" b="0" i="0" u="none" strike="noStrike" kern="1200" cap="none" spc="0" normalizeH="0" baseline="0" noProof="0" dirty="0" smtClean="0">
+                <a:ln>
+                  <a:noFill/>
+                </a:ln>
+                <a:solidFill>
+                  <a:schemeClr val="bg1"/>
+                </a:solidFill>
+                <a:effectLst>
+                  <a:outerShdw blurRad="38100" dist="38100" dir="2700000" algn="tl">
+                    <a:srgbClr val="000000">
+                      <a:alpha val="43137"/>
+                    </a:srgbClr>
+                  </a:outerShdw>
+                </a:effectLst>
+                <a:uLnTx/>
+                <a:uFillTx/>
+                <a:latin typeface="Corbel" pitchFamily="34" charset="0"/>
+                <a:ea typeface="+mj-ea"/>
+                <a:cs typeface="+mj-cs"/>
+              </a:rPr>
+              <a:t>разработки</a:t>
+            </a:r>
+            <a:endParaRPr kumimoji="0" lang="ru-RU" sz="3400" b="0" i="0" u="none" strike="noStrike" kern="1200" cap="none" spc="0" normalizeH="0" baseline="0" noProof="0" dirty="0">
+              <a:ln>
+                <a:noFill/>
+              </a:ln>
+              <a:solidFill>
+                <a:schemeClr val="bg1"/>
+              </a:solidFill>
+              <a:effectLst>
+                <a:outerShdw blurRad="38100" dist="38100" dir="2700000" algn="tl">
+                  <a:srgbClr val="000000">
+                    <a:alpha val="43137"/>
+                  </a:srgbClr>
+                </a:outerShdw>
+              </a:effectLst>
+              <a:uLnTx/>
+              <a:uFillTx/>
+              <a:latin typeface="Corbel" pitchFamily="34" charset="0"/>
+              <a:ea typeface="+mj-ea"/>
+              <a:cs typeface="+mj-cs"/>
+            </a:endParaRPr>
+          </a:p>
+        </p:txBody>
+      </p:sp>
+      <p:sp>
+        <p:nvSpPr>
+          <p:cNvPr id="5" name="Content Placeholder 2"/>
+          <p:cNvSpPr txBox="1">
+            <a:spLocks/>
+          </p:cNvSpPr>
+          <p:nvPr/>
+        </p:nvSpPr>
+        <p:spPr>
+          <a:xfrm>
+            <a:off x="457200" y="4267200"/>
+            <a:ext cx="8229600" cy="2332038"/>
+          </a:xfrm>
+          <a:prstGeom prst="rect">
+            <a:avLst/>
+          </a:prstGeom>
+        </p:spPr>
+        <p:txBody>
+          <a:bodyPr vert="horz" lIns="91440" tIns="45720" rIns="91440" bIns="45720" rtlCol="0">
+            <a:normAutofit/>
+          </a:bodyPr>
+          <a:lstStyle/>
+          <a:p>
+            <a:pPr marL="342900" marR="0" lvl="0" indent="-342900" algn="l" defTabSz="914400" rtl="0" eaLnBrk="1" fontAlgn="auto" latinLnBrk="0" hangingPunct="1">
+              <a:lnSpc>
+                <a:spcPct val="100000"/>
+              </a:lnSpc>
+              <a:spcBef>
+                <a:spcPct val="20000"/>
+              </a:spcBef>
+              <a:spcAft>
+                <a:spcPts val="0"/>
+              </a:spcAft>
+              <a:buClrTx/>
+              <a:buSzTx/>
+              <a:buFont typeface="Arial" pitchFamily="34" charset="0"/>
+              <a:buChar char="•"/>
+              <a:tabLst/>
+              <a:defRPr/>
+            </a:pPr>
+            <a:r>
+              <a:rPr lang="en-US" sz="2800" noProof="0" dirty="0" smtClean="0">
+                <a:solidFill>
+                  <a:schemeClr val="bg1"/>
+                </a:solidFill>
+                <a:effectLst>
+                  <a:outerShdw blurRad="38100" dist="38100" dir="2700000" algn="tl">
+                    <a:srgbClr val="000000">
+                      <a:alpha val="43137"/>
+                    </a:srgbClr>
+                  </a:outerShdw>
+                </a:effectLst>
+                <a:latin typeface="Corbel" pitchFamily="34" charset="0"/>
+              </a:rPr>
+              <a:t>Maven</a:t>
+            </a:r>
+          </a:p>
+          <a:p>
+            <a:pPr marL="342900" marR="0" lvl="0" indent="-342900" algn="l" defTabSz="914400" rtl="0" eaLnBrk="1" fontAlgn="auto" latinLnBrk="0" hangingPunct="1">
+              <a:lnSpc>
+                <a:spcPct val="100000"/>
+              </a:lnSpc>
+              <a:spcBef>
+                <a:spcPct val="20000"/>
+              </a:spcBef>
+              <a:spcAft>
+                <a:spcPts val="0"/>
+              </a:spcAft>
+              <a:buClrTx/>
+              <a:buSzTx/>
+              <a:buFont typeface="Arial" pitchFamily="34" charset="0"/>
+              <a:buChar char="•"/>
+              <a:tabLst/>
+              <a:defRPr/>
+            </a:pPr>
+            <a:r>
+              <a:rPr kumimoji="0" lang="en-US" sz="2800" b="0" i="0" u="none" strike="noStrike" kern="1200" cap="none" spc="0" normalizeH="0" baseline="0" dirty="0" err="1" smtClean="0">
+                <a:ln>
+                  <a:noFill/>
+                </a:ln>
+                <a:solidFill>
+                  <a:schemeClr val="bg1"/>
+                </a:solidFill>
+                <a:effectLst>
+                  <a:outerShdw blurRad="38100" dist="38100" dir="2700000" algn="tl">
+                    <a:srgbClr val="000000">
+                      <a:alpha val="43137"/>
+                    </a:srgbClr>
+                  </a:outerShdw>
+                </a:effectLst>
+                <a:uLnTx/>
+                <a:uFillTx/>
+                <a:latin typeface="Corbel" pitchFamily="34" charset="0"/>
+                <a:ea typeface="+mn-ea"/>
+                <a:cs typeface="+mn-cs"/>
+              </a:rPr>
+              <a:t>Git</a:t>
+            </a:r>
+            <a:r>
+              <a:rPr kumimoji="0" lang="en-US" sz="2800" b="0" i="0" u="none" strike="noStrike" kern="1200" cap="none" spc="0" normalizeH="0" baseline="0" dirty="0" smtClean="0">
+                <a:ln>
+                  <a:noFill/>
+                </a:ln>
+                <a:solidFill>
+                  <a:schemeClr val="bg1"/>
+                </a:solidFill>
+                <a:effectLst>
+                  <a:outerShdw blurRad="38100" dist="38100" dir="2700000" algn="tl">
+                    <a:srgbClr val="000000">
+                      <a:alpha val="43137"/>
+                    </a:srgbClr>
+                  </a:outerShdw>
+                </a:effectLst>
+                <a:uLnTx/>
+                <a:uFillTx/>
+                <a:latin typeface="Corbel" pitchFamily="34" charset="0"/>
+                <a:ea typeface="+mn-ea"/>
+                <a:cs typeface="+mn-cs"/>
+              </a:rPr>
+              <a:t>/</a:t>
+            </a:r>
+            <a:r>
+              <a:rPr kumimoji="0" lang="en-US" sz="2800" b="0" i="0" u="none" strike="noStrike" kern="1200" cap="none" spc="0" normalizeH="0" baseline="0" dirty="0" err="1" smtClean="0">
+                <a:ln>
+                  <a:noFill/>
+                </a:ln>
+                <a:solidFill>
+                  <a:schemeClr val="bg1"/>
+                </a:solidFill>
+                <a:effectLst>
+                  <a:outerShdw blurRad="38100" dist="38100" dir="2700000" algn="tl">
+                    <a:srgbClr val="000000">
+                      <a:alpha val="43137"/>
+                    </a:srgbClr>
+                  </a:outerShdw>
+                </a:effectLst>
+                <a:uLnTx/>
+                <a:uFillTx/>
+                <a:latin typeface="Corbel" pitchFamily="34" charset="0"/>
+                <a:ea typeface="+mn-ea"/>
+                <a:cs typeface="+mn-cs"/>
+              </a:rPr>
+              <a:t>Github</a:t>
+            </a:r>
+            <a:endParaRPr kumimoji="0" lang="en-US" sz="2800" b="0" i="0" u="none" strike="noStrike" kern="1200" cap="none" spc="0" normalizeH="0" baseline="0" dirty="0" smtClean="0">
+              <a:ln>
+                <a:noFill/>
+              </a:ln>
+              <a:solidFill>
+                <a:schemeClr val="bg1"/>
+              </a:solidFill>
+              <a:effectLst>
+                <a:outerShdw blurRad="38100" dist="38100" dir="2700000" algn="tl">
+                  <a:srgbClr val="000000">
+                    <a:alpha val="43137"/>
+                  </a:srgbClr>
+                </a:outerShdw>
+              </a:effectLst>
+              <a:uLnTx/>
+              <a:uFillTx/>
+              <a:latin typeface="Corbel" pitchFamily="34" charset="0"/>
+              <a:ea typeface="+mn-ea"/>
+              <a:cs typeface="+mn-cs"/>
+            </a:endParaRPr>
+          </a:p>
+          <a:p>
+            <a:pPr marL="342900" marR="0" lvl="0" indent="-342900" algn="l" defTabSz="914400" rtl="0" eaLnBrk="1" fontAlgn="auto" latinLnBrk="0" hangingPunct="1">
+              <a:lnSpc>
+                <a:spcPct val="100000"/>
+              </a:lnSpc>
+              <a:spcBef>
+                <a:spcPct val="20000"/>
+              </a:spcBef>
+              <a:spcAft>
+                <a:spcPts val="0"/>
+              </a:spcAft>
+              <a:buClrTx/>
+              <a:buSzTx/>
+              <a:buFont typeface="Arial" pitchFamily="34" charset="0"/>
+              <a:buChar char="•"/>
+              <a:tabLst/>
+              <a:defRPr/>
+            </a:pPr>
             <a:r>
               <a:rPr lang="en-US" sz="2800" dirty="0" err="1" smtClean="0">
                 <a:solidFill>
@@ -3267,24 +3633,159 @@
                 </a:effectLst>
                 <a:latin typeface="Corbel" pitchFamily="34" charset="0"/>
               </a:rPr>
-              <a:t>DBUnit</a:t>
-            </a:r>
-            <a:r>
-              <a:rPr lang="en-US" sz="2800" dirty="0" smtClean="0">
-                <a:solidFill>
-                  <a:schemeClr val="bg1"/>
-                </a:solidFill>
-                <a:effectLst>
-                  <a:outerShdw blurRad="38100" dist="38100" dir="2700000" algn="tl">
-                    <a:srgbClr val="000000">
-                      <a:alpha val="43137"/>
-                    </a:srgbClr>
-                  </a:outerShdw>
-                </a:effectLst>
-                <a:latin typeface="Corbel" pitchFamily="34" charset="0"/>
-              </a:rPr>
-              <a:t> </a:t>
-            </a:r>
+              <a:t>TeamCity</a:t>
+            </a:r>
+            <a:endParaRPr kumimoji="0" lang="en-US" sz="2800" b="0" i="0" u="none" strike="noStrike" kern="1200" cap="none" spc="0" normalizeH="0" baseline="0" dirty="0" smtClean="0">
+              <a:ln>
+                <a:noFill/>
+              </a:ln>
+              <a:solidFill>
+                <a:schemeClr val="bg1"/>
+              </a:solidFill>
+              <a:effectLst>
+                <a:outerShdw blurRad="38100" dist="38100" dir="2700000" algn="tl">
+                  <a:srgbClr val="000000">
+                    <a:alpha val="43137"/>
+                  </a:srgbClr>
+                </a:outerShdw>
+              </a:effectLst>
+              <a:uLnTx/>
+              <a:uFillTx/>
+              <a:latin typeface="Corbel" pitchFamily="34" charset="0"/>
+              <a:ea typeface="+mn-ea"/>
+              <a:cs typeface="+mn-cs"/>
+            </a:endParaRPr>
+          </a:p>
+          <a:p>
+            <a:pPr marL="342900" marR="0" lvl="0" indent="-342900" algn="l" defTabSz="914400" rtl="0" eaLnBrk="1" fontAlgn="auto" latinLnBrk="0" hangingPunct="1">
+              <a:lnSpc>
+                <a:spcPct val="100000"/>
+              </a:lnSpc>
+              <a:spcBef>
+                <a:spcPct val="20000"/>
+              </a:spcBef>
+              <a:spcAft>
+                <a:spcPts val="0"/>
+              </a:spcAft>
+              <a:buClrTx/>
+              <a:buSzTx/>
+              <a:buFont typeface="Arial" pitchFamily="34" charset="0"/>
+              <a:buChar char="•"/>
+              <a:tabLst/>
+              <a:defRPr/>
+            </a:pPr>
+            <a:endParaRPr kumimoji="0" lang="en-US" sz="2800" b="0" i="0" u="none" strike="noStrike" kern="1200" cap="none" spc="0" normalizeH="0" baseline="0" dirty="0" smtClean="0">
+              <a:ln>
+                <a:noFill/>
+              </a:ln>
+              <a:solidFill>
+                <a:schemeClr val="bg1"/>
+              </a:solidFill>
+              <a:effectLst>
+                <a:outerShdw blurRad="38100" dist="38100" dir="2700000" algn="tl">
+                  <a:srgbClr val="000000">
+                    <a:alpha val="43137"/>
+                  </a:srgbClr>
+                </a:outerShdw>
+              </a:effectLst>
+              <a:uLnTx/>
+              <a:uFillTx/>
+              <a:latin typeface="Corbel" pitchFamily="34" charset="0"/>
+              <a:ea typeface="+mn-ea"/>
+              <a:cs typeface="+mn-cs"/>
+            </a:endParaRPr>
+          </a:p>
+          <a:p>
+            <a:pPr marL="342900" marR="0" lvl="0" indent="-342900" algn="l" defTabSz="914400" rtl="0" eaLnBrk="1" fontAlgn="auto" latinLnBrk="0" hangingPunct="1">
+              <a:lnSpc>
+                <a:spcPct val="100000"/>
+              </a:lnSpc>
+              <a:spcBef>
+                <a:spcPct val="20000"/>
+              </a:spcBef>
+              <a:spcAft>
+                <a:spcPts val="0"/>
+              </a:spcAft>
+              <a:buClrTx/>
+              <a:buSzTx/>
+              <a:buFont typeface="Arial" pitchFamily="34" charset="0"/>
+              <a:buChar char="•"/>
+              <a:tabLst/>
+              <a:defRPr/>
+            </a:pPr>
+            <a:endParaRPr kumimoji="0" lang="en-US" sz="2800" b="0" i="0" u="none" strike="noStrike" kern="1200" cap="none" spc="0" normalizeH="0" baseline="0" dirty="0" smtClean="0">
+              <a:ln>
+                <a:noFill/>
+              </a:ln>
+              <a:solidFill>
+                <a:schemeClr val="bg1"/>
+              </a:solidFill>
+              <a:effectLst>
+                <a:outerShdw blurRad="38100" dist="38100" dir="2700000" algn="tl">
+                  <a:srgbClr val="000000">
+                    <a:alpha val="43137"/>
+                  </a:srgbClr>
+                </a:outerShdw>
+              </a:effectLst>
+              <a:uLnTx/>
+              <a:uFillTx/>
+              <a:latin typeface="Corbel" pitchFamily="34" charset="0"/>
+              <a:ea typeface="+mn-ea"/>
+              <a:cs typeface="+mn-cs"/>
+            </a:endParaRPr>
+          </a:p>
+        </p:txBody>
+      </p:sp>
+    </p:spTree>
+  </p:cSld>
+  <p:clrMapOvr>
+    <a:masterClrMapping/>
+  </p:clrMapOvr>
+</p:sld>
+</file>
+
+<file path=ppt/slides/slide11.xml><?xml version="1.0" encoding="utf-8"?>
+<p:sld xmlns:a="http://schemas.openxmlformats.org/drawingml/2006/main" xmlns:r="http://schemas.openxmlformats.org/officeDocument/2006/relationships" xmlns:p="http://schemas.openxmlformats.org/presentationml/2006/main">
+  <p:cSld>
+    <p:spTree>
+      <p:nvGrpSpPr>
+        <p:cNvPr id="1" name=""/>
+        <p:cNvGrpSpPr/>
+        <p:nvPr/>
+      </p:nvGrpSpPr>
+      <p:grpSpPr>
+        <a:xfrm>
+          <a:off x="0" y="0"/>
+          <a:ext cx="0" cy="0"/>
+          <a:chOff x="0" y="0"/>
+          <a:chExt cx="0" cy="0"/>
+        </a:xfrm>
+      </p:grpSpPr>
+      <p:sp>
+        <p:nvSpPr>
+          <p:cNvPr id="3" name="Content Placeholder 2"/>
+          <p:cNvSpPr>
+            <a:spLocks noGrp="1"/>
+          </p:cNvSpPr>
+          <p:nvPr>
+            <p:ph idx="1"/>
+          </p:nvPr>
+        </p:nvSpPr>
+        <p:spPr>
+          <a:xfrm>
+            <a:off x="457200" y="1600200"/>
+            <a:ext cx="8229600" cy="3505200"/>
+          </a:xfrm>
+        </p:spPr>
+        <p:txBody>
+          <a:bodyPr>
+            <a:normAutofit/>
+          </a:bodyPr>
+          <a:lstStyle/>
+          <a:p>
+            <a:pPr>
+              <a:buNone/>
+            </a:pPr>
             <a:r>
               <a:rPr lang="ru-RU" sz="2800" dirty="0" smtClean="0">
                 <a:solidFill>
@@ -3299,40 +3800,31 @@
                 </a:effectLst>
                 <a:latin typeface="Corbel" pitchFamily="34" charset="0"/>
               </a:rPr>
-              <a:t>и </a:t>
-            </a:r>
-            <a:r>
-              <a:rPr lang="en-US" sz="2800" dirty="0" err="1" smtClean="0">
-                <a:solidFill>
-                  <a:schemeClr val="bg1"/>
-                </a:solidFill>
-                <a:effectLst>
-                  <a:outerShdw blurRad="38100" dist="38100" dir="2700000" algn="tl">
-                    <a:srgbClr val="000000">
-                      <a:alpha val="43137"/>
-                    </a:srgbClr>
-                  </a:outerShdw>
-                </a:effectLst>
-                <a:latin typeface="Corbel" pitchFamily="34" charset="0"/>
-              </a:rPr>
-              <a:t>dbMaintainer</a:t>
-            </a:r>
-            <a:r>
-              <a:rPr lang="en-US" sz="2800" dirty="0" smtClean="0">
-                <a:solidFill>
-                  <a:schemeClr val="bg1"/>
-                </a:solidFill>
-                <a:effectLst>
-                  <a:outerShdw blurRad="38100" dist="38100" dir="2700000" algn="tl">
-                    <a:srgbClr val="000000">
-                      <a:alpha val="43137"/>
-                    </a:srgbClr>
-                  </a:outerShdw>
-                </a:effectLst>
-                <a:latin typeface="Corbel" pitchFamily="34" charset="0"/>
-              </a:rPr>
-              <a:t> </a:t>
-            </a:r>
+              <a:t>		Результат</a:t>
+            </a:r>
+          </a:p>
+          <a:p>
+            <a:pPr>
+              <a:buNone/>
+            </a:pPr>
+            <a:endParaRPr lang="ru-RU" sz="2800" dirty="0" smtClean="0">
+              <a:solidFill>
+                <a:schemeClr val="bg1"/>
+              </a:solidFill>
+              <a:effectLst>
+                <a:outerShdw blurRad="38100" dist="38100" dir="2700000" algn="tl">
+                  <a:srgbClr val="000000">
+                    <a:alpha val="43137"/>
+                  </a:srgbClr>
+                </a:outerShdw>
+              </a:effectLst>
+              <a:latin typeface="Corbel" pitchFamily="34" charset="0"/>
+            </a:endParaRPr>
+          </a:p>
+          <a:p>
+            <a:pPr>
+              <a:buNone/>
+            </a:pPr>
             <a:r>
               <a:rPr lang="ru-RU" sz="2800" dirty="0" smtClean="0">
                 <a:solidFill>
@@ -3347,171 +3839,9 @@
                 </a:effectLst>
                 <a:latin typeface="Corbel" pitchFamily="34" charset="0"/>
               </a:rPr>
-              <a:t>в связке с </a:t>
-            </a:r>
-            <a:r>
-              <a:rPr lang="en-US" sz="2800" dirty="0" err="1" smtClean="0">
-                <a:solidFill>
-                  <a:schemeClr val="bg1"/>
-                </a:solidFill>
-                <a:effectLst>
-                  <a:outerShdw blurRad="38100" dist="38100" dir="2700000" algn="tl">
-                    <a:srgbClr val="000000">
-                      <a:alpha val="43137"/>
-                    </a:srgbClr>
-                  </a:outerShdw>
-                </a:effectLst>
-                <a:latin typeface="Corbel" pitchFamily="34" charset="0"/>
-              </a:rPr>
-              <a:t>JUnit</a:t>
-            </a:r>
-            <a:r>
-              <a:rPr lang="en-US" sz="2800" dirty="0" smtClean="0">
-                <a:solidFill>
-                  <a:schemeClr val="bg1"/>
-                </a:solidFill>
-                <a:effectLst>
-                  <a:outerShdw blurRad="38100" dist="38100" dir="2700000" algn="tl">
-                    <a:srgbClr val="000000">
-                      <a:alpha val="43137"/>
-                    </a:srgbClr>
-                  </a:outerShdw>
-                </a:effectLst>
-                <a:latin typeface="Corbel" pitchFamily="34" charset="0"/>
-              </a:rPr>
-              <a:t> </a:t>
-            </a:r>
-            <a:r>
-              <a:rPr lang="ru-RU" sz="2800" dirty="0" smtClean="0">
-                <a:solidFill>
-                  <a:schemeClr val="bg1"/>
-                </a:solidFill>
-                <a:effectLst>
-                  <a:outerShdw blurRad="38100" dist="38100" dir="2700000" algn="tl">
-                    <a:srgbClr val="000000">
-                      <a:alpha val="43137"/>
-                    </a:srgbClr>
-                  </a:outerShdw>
-                </a:effectLst>
-                <a:latin typeface="Corbel" pitchFamily="34" charset="0"/>
-              </a:rPr>
-              <a:t>и </a:t>
-            </a:r>
-            <a:r>
-              <a:rPr lang="en-US" sz="2800" dirty="0" smtClean="0">
-                <a:solidFill>
-                  <a:schemeClr val="bg1"/>
-                </a:solidFill>
-                <a:effectLst>
-                  <a:outerShdw blurRad="38100" dist="38100" dir="2700000" algn="tl">
-                    <a:srgbClr val="000000">
-                      <a:alpha val="43137"/>
-                    </a:srgbClr>
-                  </a:outerShdw>
-                </a:effectLst>
-                <a:latin typeface="Corbel" pitchFamily="34" charset="0"/>
-              </a:rPr>
-              <a:t>Spring</a:t>
-            </a:r>
-          </a:p>
-          <a:p>
-            <a:r>
-              <a:rPr lang="ru-RU" sz="2800" dirty="0" smtClean="0">
-                <a:solidFill>
-                  <a:schemeClr val="bg1"/>
-                </a:solidFill>
-                <a:effectLst>
-                  <a:outerShdw blurRad="38100" dist="38100" dir="2700000" algn="tl">
-                    <a:srgbClr val="000000">
-                      <a:alpha val="43137"/>
-                    </a:srgbClr>
-                  </a:outerShdw>
-                </a:effectLst>
-                <a:latin typeface="Corbel" pitchFamily="34" charset="0"/>
-              </a:rPr>
-              <a:t>Создание </a:t>
-            </a:r>
-            <a:r>
-              <a:rPr lang="ru-RU" sz="2800" dirty="0" err="1" smtClean="0">
-                <a:solidFill>
-                  <a:schemeClr val="bg1"/>
-                </a:solidFill>
-                <a:effectLst>
-                  <a:outerShdw blurRad="38100" dist="38100" dir="2700000" algn="tl">
-                    <a:srgbClr val="000000">
-                      <a:alpha val="43137"/>
-                    </a:srgbClr>
-                  </a:outerShdw>
-                </a:effectLst>
-                <a:latin typeface="Corbel" pitchFamily="34" charset="0"/>
-              </a:rPr>
-              <a:t>веб-тестов</a:t>
-            </a:r>
-            <a:r>
-              <a:rPr lang="ru-RU" sz="2800" dirty="0" smtClean="0">
-                <a:solidFill>
-                  <a:schemeClr val="bg1"/>
-                </a:solidFill>
-                <a:effectLst>
-                  <a:outerShdw blurRad="38100" dist="38100" dir="2700000" algn="tl">
-                    <a:srgbClr val="000000">
-                      <a:alpha val="43137"/>
-                    </a:srgbClr>
-                  </a:outerShdw>
-                </a:effectLst>
-                <a:latin typeface="Corbel" pitchFamily="34" charset="0"/>
-              </a:rPr>
-              <a:t> для</a:t>
-            </a:r>
-            <a:r>
-              <a:rPr lang="en-US" sz="2800" dirty="0" smtClean="0">
-                <a:solidFill>
-                  <a:schemeClr val="bg1"/>
-                </a:solidFill>
-                <a:effectLst>
-                  <a:outerShdw blurRad="38100" dist="38100" dir="2700000" algn="tl">
-                    <a:srgbClr val="000000">
-                      <a:alpha val="43137"/>
-                    </a:srgbClr>
-                  </a:outerShdw>
-                </a:effectLst>
-                <a:latin typeface="Corbel" pitchFamily="34" charset="0"/>
-              </a:rPr>
-              <a:t> </a:t>
-            </a:r>
-            <a:r>
-              <a:rPr lang="ru-RU" sz="2800" dirty="0" smtClean="0">
-                <a:solidFill>
-                  <a:schemeClr val="bg1"/>
-                </a:solidFill>
-                <a:effectLst>
-                  <a:outerShdw blurRad="38100" dist="38100" dir="2700000" algn="tl">
-                    <a:srgbClr val="000000">
-                      <a:alpha val="43137"/>
-                    </a:srgbClr>
-                  </a:outerShdw>
-                </a:effectLst>
-                <a:latin typeface="Corbel" pitchFamily="34" charset="0"/>
-              </a:rPr>
-              <a:t>при помощи </a:t>
-            </a:r>
-            <a:r>
-              <a:rPr lang="en-US" sz="2800" dirty="0" smtClean="0">
-                <a:solidFill>
-                  <a:schemeClr val="bg1"/>
-                </a:solidFill>
-                <a:effectLst>
-                  <a:outerShdw blurRad="38100" dist="38100" dir="2700000" algn="tl">
-                    <a:srgbClr val="000000">
-                      <a:alpha val="43137"/>
-                    </a:srgbClr>
-                  </a:outerShdw>
-                </a:effectLst>
-                <a:latin typeface="Corbel" pitchFamily="34" charset="0"/>
-              </a:rPr>
-              <a:t>Selenium Web Driver </a:t>
-            </a:r>
-            <a:endParaRPr lang="ru-RU" sz="2800" dirty="0" smtClean="0">
+              <a:t>		Модульное приложение, реализующее требуемую функциональность, пригодное для дальнейшей поддержки и повторного использования его составных частей.</a:t>
+            </a:r>
+            <a:endParaRPr lang="en-US" sz="2800" dirty="0" smtClean="0">
               <a:solidFill>
                 <a:schemeClr val="bg1"/>
               </a:solidFill>
